--- a/Week-2/Slide/AGB Week Two.pptx
+++ b/Week-2/Slide/AGB Week Two.pptx
@@ -6229,13 +6229,13 @@
         </p:nvSpPr>
         <p:spPr>
           <a:xfrm>
-            <a:off x="3437199" y="1911435"/>
-            <a:ext cx="6987645" cy="1388534"/>
+            <a:off x="3437199" y="1911434"/>
+            <a:ext cx="6987645" cy="2029630"/>
           </a:xfrm>
         </p:spPr>
         <p:txBody>
           <a:bodyPr>
-            <a:normAutofit lnSpcReduction="10000"/>
+            <a:normAutofit/>
           </a:bodyPr>
           <a:lstStyle/>
           <a:p>
@@ -6268,8 +6268,20 @@
             </a:r>
             <a:r>
               <a:rPr lang="en-US" dirty="0"/>
-              <a:t> 12</a:t>
-            </a:r>
+              <a:t> </a:t>
+            </a:r>
+            <a:r>
+              <a:rPr lang="en-US" dirty="0" smtClean="0"/>
+              <a:t>12</a:t>
+            </a:r>
+          </a:p>
+          <a:p>
+            <a:pPr algn="ctr"/>
+            <a:r>
+              <a:rPr lang="en-US" dirty="0" smtClean="0"/>
+              <a:t>Group-04</a:t>
+            </a:r>
+            <a:endParaRPr lang="en-US" dirty="0"/>
           </a:p>
           <a:p>
             <a:pPr algn="ctr"/>
@@ -6287,8 +6299,8 @@
         </p:nvSpPr>
         <p:spPr>
           <a:xfrm>
-            <a:off x="3437198" y="3846915"/>
-            <a:ext cx="6987645" cy="1388534"/>
+            <a:off x="3437199" y="4084658"/>
+            <a:ext cx="6987645" cy="2060110"/>
           </a:xfrm>
           <a:prstGeom prst="rect">
             <a:avLst/>
@@ -6296,7 +6308,7 @@
         </p:spPr>
         <p:txBody>
           <a:bodyPr vert="horz" lIns="91440" tIns="45720" rIns="91440" bIns="45720" rtlCol="0" anchor="t">
-            <a:normAutofit lnSpcReduction="10000"/>
+            <a:normAutofit/>
           </a:bodyPr>
           <a:lstStyle>
             <a:lvl1pPr marL="0" indent="0" algn="r" defTabSz="457200" rtl="0" eaLnBrk="1" latinLnBrk="0" hangingPunct="1">
@@ -6580,8 +6592,32 @@
             </a:r>
             <a:r>
               <a:rPr lang="en-US" dirty="0"/>
-              <a:t> Rahman (1520490642)</a:t>
-            </a:r>
+              <a:t> Rahman (1520490642</a:t>
+            </a:r>
+            <a:r>
+              <a:rPr lang="en-US" dirty="0" smtClean="0"/>
+              <a:t>)</a:t>
+            </a:r>
+          </a:p>
+          <a:p>
+            <a:pPr algn="ctr"/>
+            <a:r>
+              <a:rPr lang="en-US" dirty="0" err="1" smtClean="0"/>
+              <a:t>Kazi</a:t>
+            </a:r>
+            <a:r>
+              <a:rPr lang="en-US" dirty="0" smtClean="0"/>
+              <a:t> Sadia </a:t>
+            </a:r>
+            <a:r>
+              <a:rPr lang="en-US" dirty="0" err="1" smtClean="0"/>
+              <a:t>Kabir</a:t>
+            </a:r>
+            <a:r>
+              <a:rPr lang="en-US" dirty="0" smtClean="0"/>
+              <a:t> (1420174042)</a:t>
+            </a:r>
+            <a:endParaRPr lang="en-US" dirty="0"/>
           </a:p>
           <a:p>
             <a:pPr algn="ctr"/>
